--- a/Каталог библиотеки.pptx
+++ b/Каталог библиотеки.pptx
@@ -111,6 +111,11 @@
       </a:defRPr>
     </a:lvl9pPr>
   </p:defaultTextStyle>
+  <p:extLst>
+    <p:ext uri="{EFAFB233-063F-42B5-8137-9DF3F51BA10A}">
+      <p15:sldGuideLst xmlns:p15="http://schemas.microsoft.com/office/powerpoint/2012/main"/>
+    </p:ext>
+  </p:extLst>
 </p:presentation>
 </file>
 
@@ -338,7 +343,7 @@
           <a:p>
             <a:fld id="{B811FDB6-6BF4-4D4A-8335-E77086A1B7D4}" type="datetimeFigureOut">
               <a:rPr lang="ru-RU" smtClean="0"/>
-              <a:t>05.05.2025</a:t>
+              <a:t>06.05.2025</a:t>
             </a:fld>
             <a:endParaRPr lang="ru-RU"/>
           </a:p>
@@ -508,7 +513,7 @@
           <a:p>
             <a:fld id="{B811FDB6-6BF4-4D4A-8335-E77086A1B7D4}" type="datetimeFigureOut">
               <a:rPr lang="ru-RU" smtClean="0"/>
-              <a:t>05.05.2025</a:t>
+              <a:t>06.05.2025</a:t>
             </a:fld>
             <a:endParaRPr lang="ru-RU"/>
           </a:p>
@@ -688,7 +693,7 @@
           <a:p>
             <a:fld id="{B811FDB6-6BF4-4D4A-8335-E77086A1B7D4}" type="datetimeFigureOut">
               <a:rPr lang="ru-RU" smtClean="0"/>
-              <a:t>05.05.2025</a:t>
+              <a:t>06.05.2025</a:t>
             </a:fld>
             <a:endParaRPr lang="ru-RU"/>
           </a:p>
@@ -858,7 +863,7 @@
           <a:p>
             <a:fld id="{B811FDB6-6BF4-4D4A-8335-E77086A1B7D4}" type="datetimeFigureOut">
               <a:rPr lang="ru-RU" smtClean="0"/>
-              <a:t>05.05.2025</a:t>
+              <a:t>06.05.2025</a:t>
             </a:fld>
             <a:endParaRPr lang="ru-RU"/>
           </a:p>
@@ -1116,7 +1121,7 @@
           <a:p>
             <a:fld id="{B811FDB6-6BF4-4D4A-8335-E77086A1B7D4}" type="datetimeFigureOut">
               <a:rPr lang="ru-RU" smtClean="0"/>
-              <a:t>05.05.2025</a:t>
+              <a:t>06.05.2025</a:t>
             </a:fld>
             <a:endParaRPr lang="ru-RU"/>
           </a:p>
@@ -1404,7 +1409,7 @@
           <a:p>
             <a:fld id="{B811FDB6-6BF4-4D4A-8335-E77086A1B7D4}" type="datetimeFigureOut">
               <a:rPr lang="ru-RU" smtClean="0"/>
-              <a:t>05.05.2025</a:t>
+              <a:t>06.05.2025</a:t>
             </a:fld>
             <a:endParaRPr lang="ru-RU"/>
           </a:p>
@@ -1846,7 +1851,7 @@
           <a:p>
             <a:fld id="{B811FDB6-6BF4-4D4A-8335-E77086A1B7D4}" type="datetimeFigureOut">
               <a:rPr lang="ru-RU" smtClean="0"/>
-              <a:t>05.05.2025</a:t>
+              <a:t>06.05.2025</a:t>
             </a:fld>
             <a:endParaRPr lang="ru-RU"/>
           </a:p>
@@ -1964,7 +1969,7 @@
           <a:p>
             <a:fld id="{B811FDB6-6BF4-4D4A-8335-E77086A1B7D4}" type="datetimeFigureOut">
               <a:rPr lang="ru-RU" smtClean="0"/>
-              <a:t>05.05.2025</a:t>
+              <a:t>06.05.2025</a:t>
             </a:fld>
             <a:endParaRPr lang="ru-RU"/>
           </a:p>
@@ -2059,7 +2064,7 @@
           <a:p>
             <a:fld id="{B811FDB6-6BF4-4D4A-8335-E77086A1B7D4}" type="datetimeFigureOut">
               <a:rPr lang="ru-RU" smtClean="0"/>
-              <a:t>05.05.2025</a:t>
+              <a:t>06.05.2025</a:t>
             </a:fld>
             <a:endParaRPr lang="ru-RU"/>
           </a:p>
@@ -2347,7 +2352,7 @@
           <a:p>
             <a:fld id="{B811FDB6-6BF4-4D4A-8335-E77086A1B7D4}" type="datetimeFigureOut">
               <a:rPr lang="ru-RU" smtClean="0"/>
-              <a:t>05.05.2025</a:t>
+              <a:t>06.05.2025</a:t>
             </a:fld>
             <a:endParaRPr lang="ru-RU"/>
           </a:p>
@@ -2620,7 +2625,7 @@
           <a:p>
             <a:fld id="{B811FDB6-6BF4-4D4A-8335-E77086A1B7D4}" type="datetimeFigureOut">
               <a:rPr lang="ru-RU" smtClean="0"/>
-              <a:t>05.05.2025</a:t>
+              <a:t>06.05.2025</a:t>
             </a:fld>
             <a:endParaRPr lang="ru-RU"/>
           </a:p>
@@ -2917,7 +2922,7 @@
           <a:p>
             <a:fld id="{B811FDB6-6BF4-4D4A-8335-E77086A1B7D4}" type="datetimeFigureOut">
               <a:rPr lang="ru-RU" smtClean="0"/>
-              <a:t>05.05.2025</a:t>
+              <a:t>06.05.2025</a:t>
             </a:fld>
             <a:endParaRPr lang="ru-RU"/>
           </a:p>
@@ -3570,7 +3575,7 @@
             </a:r>
             <a:r>
               <a:rPr lang="ru-RU" dirty="0" smtClean="0"/>
-              <a:t> базы данных библиотеки: можно отслеживать наличие тех или иных книг в каталоге, фиксация читателей и сроков сдачи книг. Это позволит библиотекарям удобно контролировать состояние библиотечного фонда на сегодняшний день.</a:t>
+              <a:t> базы данных библиотеки: можно отслеживать наличие тех или иных книг в каталоге, фиксировать читателей и сроки сдачи книг. Это позволит библиотекарям удобно контролировать состояние библиотечного фонда на сегодняшний день.</a:t>
             </a:r>
             <a:endParaRPr lang="ru-RU" dirty="0"/>
           </a:p>
